--- a/module-1/Introduction-to-Microservices.pptx
+++ b/module-1/Introduction-to-Microservices.pptx
@@ -246,7 +246,7 @@
           <a:p>
             <a:fld id="{98BF579B-F2EC-4387-87A6-0FA86016D9C4}" type="datetimeFigureOut">
               <a:rPr lang="en-US" smtClean="0"/>
-              <a:t>1/4/2022</a:t>
+              <a:t>1/8/2022</a:t>
             </a:fld>
             <a:endParaRPr lang="en-US"/>
           </a:p>
@@ -416,7 +416,7 @@
           <a:p>
             <a:fld id="{98BF579B-F2EC-4387-87A6-0FA86016D9C4}" type="datetimeFigureOut">
               <a:rPr lang="en-US" smtClean="0"/>
-              <a:t>1/4/2022</a:t>
+              <a:t>1/8/2022</a:t>
             </a:fld>
             <a:endParaRPr lang="en-US"/>
           </a:p>
@@ -596,7 +596,7 @@
           <a:p>
             <a:fld id="{98BF579B-F2EC-4387-87A6-0FA86016D9C4}" type="datetimeFigureOut">
               <a:rPr lang="en-US" smtClean="0"/>
-              <a:t>1/4/2022</a:t>
+              <a:t>1/8/2022</a:t>
             </a:fld>
             <a:endParaRPr lang="en-US"/>
           </a:p>
@@ -766,7 +766,7 @@
           <a:p>
             <a:fld id="{98BF579B-F2EC-4387-87A6-0FA86016D9C4}" type="datetimeFigureOut">
               <a:rPr lang="en-US" smtClean="0"/>
-              <a:t>1/4/2022</a:t>
+              <a:t>1/8/2022</a:t>
             </a:fld>
             <a:endParaRPr lang="en-US"/>
           </a:p>
@@ -1012,7 +1012,7 @@
           <a:p>
             <a:fld id="{98BF579B-F2EC-4387-87A6-0FA86016D9C4}" type="datetimeFigureOut">
               <a:rPr lang="en-US" smtClean="0"/>
-              <a:t>1/4/2022</a:t>
+              <a:t>1/8/2022</a:t>
             </a:fld>
             <a:endParaRPr lang="en-US"/>
           </a:p>
@@ -1244,7 +1244,7 @@
           <a:p>
             <a:fld id="{98BF579B-F2EC-4387-87A6-0FA86016D9C4}" type="datetimeFigureOut">
               <a:rPr lang="en-US" smtClean="0"/>
-              <a:t>1/4/2022</a:t>
+              <a:t>1/8/2022</a:t>
             </a:fld>
             <a:endParaRPr lang="en-US"/>
           </a:p>
@@ -1611,7 +1611,7 @@
           <a:p>
             <a:fld id="{98BF579B-F2EC-4387-87A6-0FA86016D9C4}" type="datetimeFigureOut">
               <a:rPr lang="en-US" smtClean="0"/>
-              <a:t>1/4/2022</a:t>
+              <a:t>1/8/2022</a:t>
             </a:fld>
             <a:endParaRPr lang="en-US"/>
           </a:p>
@@ -1729,7 +1729,7 @@
           <a:p>
             <a:fld id="{98BF579B-F2EC-4387-87A6-0FA86016D9C4}" type="datetimeFigureOut">
               <a:rPr lang="en-US" smtClean="0"/>
-              <a:t>1/4/2022</a:t>
+              <a:t>1/8/2022</a:t>
             </a:fld>
             <a:endParaRPr lang="en-US"/>
           </a:p>
@@ -1824,7 +1824,7 @@
           <a:p>
             <a:fld id="{98BF579B-F2EC-4387-87A6-0FA86016D9C4}" type="datetimeFigureOut">
               <a:rPr lang="en-US" smtClean="0"/>
-              <a:t>1/4/2022</a:t>
+              <a:t>1/8/2022</a:t>
             </a:fld>
             <a:endParaRPr lang="en-US"/>
           </a:p>
@@ -2101,7 +2101,7 @@
           <a:p>
             <a:fld id="{98BF579B-F2EC-4387-87A6-0FA86016D9C4}" type="datetimeFigureOut">
               <a:rPr lang="en-US" smtClean="0"/>
-              <a:t>1/4/2022</a:t>
+              <a:t>1/8/2022</a:t>
             </a:fld>
             <a:endParaRPr lang="en-US"/>
           </a:p>
@@ -2354,7 +2354,7 @@
           <a:p>
             <a:fld id="{98BF579B-F2EC-4387-87A6-0FA86016D9C4}" type="datetimeFigureOut">
               <a:rPr lang="en-US" smtClean="0"/>
-              <a:t>1/4/2022</a:t>
+              <a:t>1/8/2022</a:t>
             </a:fld>
             <a:endParaRPr lang="en-US"/>
           </a:p>
@@ -2567,7 +2567,7 @@
           <a:p>
             <a:fld id="{98BF579B-F2EC-4387-87A6-0FA86016D9C4}" type="datetimeFigureOut">
               <a:rPr lang="en-US" smtClean="0"/>
-              <a:t>1/4/2022</a:t>
+              <a:t>1/8/2022</a:t>
             </a:fld>
             <a:endParaRPr lang="en-US"/>
           </a:p>
@@ -3019,10 +3019,16 @@
           <a:lstStyle/>
           <a:p>
             <a:r>
+              <a:rPr lang="en-US" sz="1800" dirty="0" smtClean="0">
+                <a:hlinkClick r:id="rId2"/>
+              </a:rPr>
+              <a:t>https</a:t>
+            </a:r>
+            <a:r>
               <a:rPr lang="en-US" sz="1800" dirty="0">
                 <a:hlinkClick r:id="rId2"/>
               </a:rPr>
-              <a:t>https://github.com/tuanndd/microservices-labs/module-1</a:t>
+              <a:t>://github.com/tuanndd/microservices-labs/module-1</a:t>
             </a:r>
             <a:r>
               <a:rPr lang="en-US" sz="1800" dirty="0" smtClean="0">
@@ -3051,9 +3057,84 @@
   <p:timing>
     <p:tnLst>
       <p:par>
-        <p:cTn id="1" dur="indefinite" restart="never" nodeType="tmRoot"/>
+        <p:cTn id="1" dur="indefinite" restart="never" nodeType="tmRoot">
+          <p:childTnLst>
+            <p:seq concurrent="1" nextAc="seek">
+              <p:cTn id="2" dur="indefinite" nodeType="mainSeq">
+                <p:childTnLst>
+                  <p:par>
+                    <p:cTn id="3" fill="hold">
+                      <p:stCondLst>
+                        <p:cond delay="indefinite"/>
+                      </p:stCondLst>
+                      <p:childTnLst>
+                        <p:par>
+                          <p:cTn id="4" fill="hold">
+                            <p:stCondLst>
+                              <p:cond delay="0"/>
+                            </p:stCondLst>
+                            <p:childTnLst>
+                              <p:par>
+                                <p:cTn id="5" presetID="1" presetClass="entr" presetSubtype="0" fill="hold" grpId="0" nodeType="clickEffect">
+                                  <p:stCondLst>
+                                    <p:cond delay="0"/>
+                                  </p:stCondLst>
+                                  <p:childTnLst>
+                                    <p:set>
+                                      <p:cBhvr>
+                                        <p:cTn id="6" dur="1" fill="hold">
+                                          <p:stCondLst>
+                                            <p:cond delay="0"/>
+                                          </p:stCondLst>
+                                        </p:cTn>
+                                        <p:tgtEl>
+                                          <p:spTgt spid="3">
+                                            <p:txEl>
+                                              <p:pRg st="0" end="0"/>
+                                            </p:txEl>
+                                          </p:spTgt>
+                                        </p:tgtEl>
+                                        <p:attrNameLst>
+                                          <p:attrName>style.visibility</p:attrName>
+                                        </p:attrNameLst>
+                                      </p:cBhvr>
+                                      <p:to>
+                                        <p:strVal val="visible"/>
+                                      </p:to>
+                                    </p:set>
+                                  </p:childTnLst>
+                                </p:cTn>
+                              </p:par>
+                            </p:childTnLst>
+                          </p:cTn>
+                        </p:par>
+                      </p:childTnLst>
+                    </p:cTn>
+                  </p:par>
+                </p:childTnLst>
+              </p:cTn>
+              <p:prevCondLst>
+                <p:cond evt="onPrev" delay="0">
+                  <p:tgtEl>
+                    <p:sldTgt/>
+                  </p:tgtEl>
+                </p:cond>
+              </p:prevCondLst>
+              <p:nextCondLst>
+                <p:cond evt="onNext" delay="0">
+                  <p:tgtEl>
+                    <p:sldTgt/>
+                  </p:tgtEl>
+                </p:cond>
+              </p:nextCondLst>
+            </p:seq>
+          </p:childTnLst>
+        </p:cTn>
       </p:par>
     </p:tnLst>
+    <p:bldLst>
+      <p:bldP spid="3" grpId="0" build="p"/>
+    </p:bldLst>
   </p:timing>
 </p:sld>
 </file>
@@ -4153,9 +4234,126 @@
   <p:timing>
     <p:tnLst>
       <p:par>
-        <p:cTn id="1" dur="indefinite" restart="never" nodeType="tmRoot"/>
+        <p:cTn id="1" dur="indefinite" restart="never" nodeType="tmRoot">
+          <p:childTnLst>
+            <p:seq concurrent="1" nextAc="seek">
+              <p:cTn id="2" dur="indefinite" nodeType="mainSeq">
+                <p:childTnLst>
+                  <p:par>
+                    <p:cTn id="3" fill="hold">
+                      <p:stCondLst>
+                        <p:cond delay="indefinite"/>
+                      </p:stCondLst>
+                      <p:childTnLst>
+                        <p:par>
+                          <p:cTn id="4" fill="hold">
+                            <p:stCondLst>
+                              <p:cond delay="0"/>
+                            </p:stCondLst>
+                            <p:childTnLst>
+                              <p:par>
+                                <p:cTn id="5" presetID="1" presetClass="entr" presetSubtype="0" fill="hold" grpId="0" nodeType="clickEffect">
+                                  <p:stCondLst>
+                                    <p:cond delay="0"/>
+                                  </p:stCondLst>
+                                  <p:childTnLst>
+                                    <p:set>
+                                      <p:cBhvr>
+                                        <p:cTn id="6" dur="1" fill="hold">
+                                          <p:stCondLst>
+                                            <p:cond delay="0"/>
+                                          </p:stCondLst>
+                                        </p:cTn>
+                                        <p:tgtEl>
+                                          <p:spTgt spid="4"/>
+                                        </p:tgtEl>
+                                        <p:attrNameLst>
+                                          <p:attrName>style.visibility</p:attrName>
+                                        </p:attrNameLst>
+                                      </p:cBhvr>
+                                      <p:to>
+                                        <p:strVal val="visible"/>
+                                      </p:to>
+                                    </p:set>
+                                  </p:childTnLst>
+                                </p:cTn>
+                              </p:par>
+                            </p:childTnLst>
+                          </p:cTn>
+                        </p:par>
+                      </p:childTnLst>
+                    </p:cTn>
+                  </p:par>
+                  <p:par>
+                    <p:cTn id="7" fill="hold">
+                      <p:stCondLst>
+                        <p:cond delay="indefinite"/>
+                      </p:stCondLst>
+                      <p:childTnLst>
+                        <p:par>
+                          <p:cTn id="8" fill="hold">
+                            <p:stCondLst>
+                              <p:cond delay="0"/>
+                            </p:stCondLst>
+                            <p:childTnLst>
+                              <p:par>
+                                <p:cTn id="9" presetID="1" presetClass="entr" presetSubtype="0" fill="hold" grpId="0" nodeType="clickEffect">
+                                  <p:stCondLst>
+                                    <p:cond delay="0"/>
+                                  </p:stCondLst>
+                                  <p:childTnLst>
+                                    <p:set>
+                                      <p:cBhvr>
+                                        <p:cTn id="10" dur="1" fill="hold">
+                                          <p:stCondLst>
+                                            <p:cond delay="0"/>
+                                          </p:stCondLst>
+                                        </p:cTn>
+                                        <p:tgtEl>
+                                          <p:spTgt spid="6"/>
+                                        </p:tgtEl>
+                                        <p:attrNameLst>
+                                          <p:attrName>style.visibility</p:attrName>
+                                        </p:attrNameLst>
+                                      </p:cBhvr>
+                                      <p:to>
+                                        <p:strVal val="visible"/>
+                                      </p:to>
+                                    </p:set>
+                                  </p:childTnLst>
+                                </p:cTn>
+                              </p:par>
+                            </p:childTnLst>
+                          </p:cTn>
+                        </p:par>
+                      </p:childTnLst>
+                    </p:cTn>
+                  </p:par>
+                </p:childTnLst>
+              </p:cTn>
+              <p:prevCondLst>
+                <p:cond evt="onPrev" delay="0">
+                  <p:tgtEl>
+                    <p:sldTgt/>
+                  </p:tgtEl>
+                </p:cond>
+              </p:prevCondLst>
+              <p:nextCondLst>
+                <p:cond evt="onNext" delay="0">
+                  <p:tgtEl>
+                    <p:sldTgt/>
+                  </p:tgtEl>
+                </p:cond>
+              </p:nextCondLst>
+            </p:seq>
+          </p:childTnLst>
+        </p:cTn>
       </p:par>
     </p:tnLst>
+    <p:bldLst>
+      <p:bldP spid="4" grpId="0"/>
+      <p:bldP spid="6" grpId="0"/>
+    </p:bldLst>
   </p:timing>
 </p:sld>
 </file>
@@ -4755,7 +4953,7 @@
         </p:nvSpPr>
         <p:spPr>
           <a:xfrm>
-            <a:off x="6459794" y="4295397"/>
+            <a:off x="6459794" y="4001294"/>
             <a:ext cx="5624051" cy="1754326"/>
           </a:xfrm>
           <a:prstGeom prst="rect">
@@ -5292,8 +5490,8 @@
         </p:nvSpPr>
         <p:spPr>
           <a:xfrm>
-            <a:off x="6459794" y="6395837"/>
-            <a:ext cx="4523674" cy="369332"/>
+            <a:off x="6459794" y="6127234"/>
+            <a:ext cx="3683765" cy="369332"/>
           </a:xfrm>
           <a:prstGeom prst="rect">
             <a:avLst/>
@@ -5318,7 +5516,7 @@
                 <a:latin typeface="Times New Roman" panose="02020603050405020304" pitchFamily="18" charset="0"/>
                 <a:cs typeface="Times New Roman" panose="02020603050405020304" pitchFamily="18" charset="0"/>
               </a:rPr>
-              <a:t>Lab: Setup Centos box </a:t>
+              <a:t>Lab: Setup CentOS VM </a:t>
             </a:r>
             <a:r>
               <a:rPr lang="en-US" dirty="0" err="1" smtClean="0">
@@ -5332,7 +5530,7 @@
                 <a:latin typeface="Times New Roman" panose="02020603050405020304" pitchFamily="18" charset="0"/>
                 <a:cs typeface="Times New Roman" panose="02020603050405020304" pitchFamily="18" charset="0"/>
               </a:rPr>
-              <a:t> Vagrant (optional)</a:t>
+              <a:t> Vagrant</a:t>
             </a:r>
             <a:endParaRPr lang="en-US" dirty="0">
               <a:latin typeface="Times New Roman" panose="02020603050405020304" pitchFamily="18" charset="0"/>
@@ -5354,9 +5552,249 @@
   <p:timing>
     <p:tnLst>
       <p:par>
-        <p:cTn id="1" dur="indefinite" restart="never" nodeType="tmRoot"/>
+        <p:cTn id="1" dur="indefinite" restart="never" nodeType="tmRoot">
+          <p:childTnLst>
+            <p:seq concurrent="1" nextAc="seek">
+              <p:cTn id="2" dur="indefinite" nodeType="mainSeq">
+                <p:childTnLst>
+                  <p:par>
+                    <p:cTn id="3" fill="hold">
+                      <p:stCondLst>
+                        <p:cond delay="indefinite"/>
+                      </p:stCondLst>
+                      <p:childTnLst>
+                        <p:par>
+                          <p:cTn id="4" fill="hold">
+                            <p:stCondLst>
+                              <p:cond delay="0"/>
+                            </p:stCondLst>
+                            <p:childTnLst>
+                              <p:par>
+                                <p:cTn id="5" presetID="1" presetClass="entr" presetSubtype="0" fill="hold" grpId="0" nodeType="clickEffect">
+                                  <p:stCondLst>
+                                    <p:cond delay="0"/>
+                                  </p:stCondLst>
+                                  <p:childTnLst>
+                                    <p:set>
+                                      <p:cBhvr>
+                                        <p:cTn id="6" dur="1" fill="hold">
+                                          <p:stCondLst>
+                                            <p:cond delay="0"/>
+                                          </p:stCondLst>
+                                        </p:cTn>
+                                        <p:tgtEl>
+                                          <p:spTgt spid="5"/>
+                                        </p:tgtEl>
+                                        <p:attrNameLst>
+                                          <p:attrName>style.visibility</p:attrName>
+                                        </p:attrNameLst>
+                                      </p:cBhvr>
+                                      <p:to>
+                                        <p:strVal val="visible"/>
+                                      </p:to>
+                                    </p:set>
+                                  </p:childTnLst>
+                                </p:cTn>
+                              </p:par>
+                            </p:childTnLst>
+                          </p:cTn>
+                        </p:par>
+                      </p:childTnLst>
+                    </p:cTn>
+                  </p:par>
+                  <p:par>
+                    <p:cTn id="7" fill="hold">
+                      <p:stCondLst>
+                        <p:cond delay="indefinite"/>
+                      </p:stCondLst>
+                      <p:childTnLst>
+                        <p:par>
+                          <p:cTn id="8" fill="hold">
+                            <p:stCondLst>
+                              <p:cond delay="0"/>
+                            </p:stCondLst>
+                            <p:childTnLst>
+                              <p:par>
+                                <p:cTn id="9" presetID="1" presetClass="entr" presetSubtype="0" fill="hold" grpId="0" nodeType="clickEffect">
+                                  <p:stCondLst>
+                                    <p:cond delay="0"/>
+                                  </p:stCondLst>
+                                  <p:childTnLst>
+                                    <p:set>
+                                      <p:cBhvr>
+                                        <p:cTn id="10" dur="1" fill="hold">
+                                          <p:stCondLst>
+                                            <p:cond delay="0"/>
+                                          </p:stCondLst>
+                                        </p:cTn>
+                                        <p:tgtEl>
+                                          <p:spTgt spid="7"/>
+                                        </p:tgtEl>
+                                        <p:attrNameLst>
+                                          <p:attrName>style.visibility</p:attrName>
+                                        </p:attrNameLst>
+                                      </p:cBhvr>
+                                      <p:to>
+                                        <p:strVal val="visible"/>
+                                      </p:to>
+                                    </p:set>
+                                  </p:childTnLst>
+                                </p:cTn>
+                              </p:par>
+                            </p:childTnLst>
+                          </p:cTn>
+                        </p:par>
+                      </p:childTnLst>
+                    </p:cTn>
+                  </p:par>
+                  <p:par>
+                    <p:cTn id="11" fill="hold">
+                      <p:stCondLst>
+                        <p:cond delay="indefinite"/>
+                      </p:stCondLst>
+                      <p:childTnLst>
+                        <p:par>
+                          <p:cTn id="12" fill="hold">
+                            <p:stCondLst>
+                              <p:cond delay="0"/>
+                            </p:stCondLst>
+                            <p:childTnLst>
+                              <p:par>
+                                <p:cTn id="13" presetID="31" presetClass="entr" presetSubtype="0" fill="hold" grpId="0" nodeType="clickEffect">
+                                  <p:stCondLst>
+                                    <p:cond delay="0"/>
+                                  </p:stCondLst>
+                                  <p:childTnLst>
+                                    <p:set>
+                                      <p:cBhvr>
+                                        <p:cTn id="14" dur="1" fill="hold">
+                                          <p:stCondLst>
+                                            <p:cond delay="0"/>
+                                          </p:stCondLst>
+                                        </p:cTn>
+                                        <p:tgtEl>
+                                          <p:spTgt spid="4"/>
+                                        </p:tgtEl>
+                                        <p:attrNameLst>
+                                          <p:attrName>style.visibility</p:attrName>
+                                        </p:attrNameLst>
+                                      </p:cBhvr>
+                                      <p:to>
+                                        <p:strVal val="visible"/>
+                                      </p:to>
+                                    </p:set>
+                                    <p:anim calcmode="lin" valueType="num">
+                                      <p:cBhvr>
+                                        <p:cTn id="15" dur="1000" fill="hold"/>
+                                        <p:tgtEl>
+                                          <p:spTgt spid="4"/>
+                                        </p:tgtEl>
+                                        <p:attrNameLst>
+                                          <p:attrName>ppt_w</p:attrName>
+                                        </p:attrNameLst>
+                                      </p:cBhvr>
+                                      <p:tavLst>
+                                        <p:tav tm="0">
+                                          <p:val>
+                                            <p:fltVal val="0"/>
+                                          </p:val>
+                                        </p:tav>
+                                        <p:tav tm="100000">
+                                          <p:val>
+                                            <p:strVal val="#ppt_w"/>
+                                          </p:val>
+                                        </p:tav>
+                                      </p:tavLst>
+                                    </p:anim>
+                                    <p:anim calcmode="lin" valueType="num">
+                                      <p:cBhvr>
+                                        <p:cTn id="16" dur="1000" fill="hold"/>
+                                        <p:tgtEl>
+                                          <p:spTgt spid="4"/>
+                                        </p:tgtEl>
+                                        <p:attrNameLst>
+                                          <p:attrName>ppt_h</p:attrName>
+                                        </p:attrNameLst>
+                                      </p:cBhvr>
+                                      <p:tavLst>
+                                        <p:tav tm="0">
+                                          <p:val>
+                                            <p:fltVal val="0"/>
+                                          </p:val>
+                                        </p:tav>
+                                        <p:tav tm="100000">
+                                          <p:val>
+                                            <p:strVal val="#ppt_h"/>
+                                          </p:val>
+                                        </p:tav>
+                                      </p:tavLst>
+                                    </p:anim>
+                                    <p:anim calcmode="lin" valueType="num">
+                                      <p:cBhvr>
+                                        <p:cTn id="17" dur="1000" fill="hold"/>
+                                        <p:tgtEl>
+                                          <p:spTgt spid="4"/>
+                                        </p:tgtEl>
+                                        <p:attrNameLst>
+                                          <p:attrName>style.rotation</p:attrName>
+                                        </p:attrNameLst>
+                                      </p:cBhvr>
+                                      <p:tavLst>
+                                        <p:tav tm="0">
+                                          <p:val>
+                                            <p:fltVal val="90"/>
+                                          </p:val>
+                                        </p:tav>
+                                        <p:tav tm="100000">
+                                          <p:val>
+                                            <p:fltVal val="0"/>
+                                          </p:val>
+                                        </p:tav>
+                                      </p:tavLst>
+                                    </p:anim>
+                                    <p:animEffect transition="in" filter="fade">
+                                      <p:cBhvr>
+                                        <p:cTn id="18" dur="1000"/>
+                                        <p:tgtEl>
+                                          <p:spTgt spid="4"/>
+                                        </p:tgtEl>
+                                      </p:cBhvr>
+                                    </p:animEffect>
+                                  </p:childTnLst>
+                                </p:cTn>
+                              </p:par>
+                            </p:childTnLst>
+                          </p:cTn>
+                        </p:par>
+                      </p:childTnLst>
+                    </p:cTn>
+                  </p:par>
+                </p:childTnLst>
+              </p:cTn>
+              <p:prevCondLst>
+                <p:cond evt="onPrev" delay="0">
+                  <p:tgtEl>
+                    <p:sldTgt/>
+                  </p:tgtEl>
+                </p:cond>
+              </p:prevCondLst>
+              <p:nextCondLst>
+                <p:cond evt="onNext" delay="0">
+                  <p:tgtEl>
+                    <p:sldTgt/>
+                  </p:tgtEl>
+                </p:cond>
+              </p:nextCondLst>
+            </p:seq>
+          </p:childTnLst>
+        </p:cTn>
       </p:par>
     </p:tnLst>
+    <p:bldLst>
+      <p:bldP spid="5" grpId="0"/>
+      <p:bldP spid="7" grpId="0"/>
+      <p:bldP spid="4" grpId="0" animBg="1"/>
+    </p:bldLst>
   </p:timing>
 </p:sld>
 </file>

--- a/module-1/Introduction-to-Microservices.pptx
+++ b/module-1/Introduction-to-Microservices.pptx
@@ -246,7 +246,7 @@
           <a:p>
             <a:fld id="{98BF579B-F2EC-4387-87A6-0FA86016D9C4}" type="datetimeFigureOut">
               <a:rPr lang="en-US" smtClean="0"/>
-              <a:t>1/8/2022</a:t>
+              <a:t>1/9/2022</a:t>
             </a:fld>
             <a:endParaRPr lang="en-US"/>
           </a:p>
@@ -416,7 +416,7 @@
           <a:p>
             <a:fld id="{98BF579B-F2EC-4387-87A6-0FA86016D9C4}" type="datetimeFigureOut">
               <a:rPr lang="en-US" smtClean="0"/>
-              <a:t>1/8/2022</a:t>
+              <a:t>1/9/2022</a:t>
             </a:fld>
             <a:endParaRPr lang="en-US"/>
           </a:p>
@@ -596,7 +596,7 @@
           <a:p>
             <a:fld id="{98BF579B-F2EC-4387-87A6-0FA86016D9C4}" type="datetimeFigureOut">
               <a:rPr lang="en-US" smtClean="0"/>
-              <a:t>1/8/2022</a:t>
+              <a:t>1/9/2022</a:t>
             </a:fld>
             <a:endParaRPr lang="en-US"/>
           </a:p>
@@ -766,7 +766,7 @@
           <a:p>
             <a:fld id="{98BF579B-F2EC-4387-87A6-0FA86016D9C4}" type="datetimeFigureOut">
               <a:rPr lang="en-US" smtClean="0"/>
-              <a:t>1/8/2022</a:t>
+              <a:t>1/9/2022</a:t>
             </a:fld>
             <a:endParaRPr lang="en-US"/>
           </a:p>
@@ -1012,7 +1012,7 @@
           <a:p>
             <a:fld id="{98BF579B-F2EC-4387-87A6-0FA86016D9C4}" type="datetimeFigureOut">
               <a:rPr lang="en-US" smtClean="0"/>
-              <a:t>1/8/2022</a:t>
+              <a:t>1/9/2022</a:t>
             </a:fld>
             <a:endParaRPr lang="en-US"/>
           </a:p>
@@ -1244,7 +1244,7 @@
           <a:p>
             <a:fld id="{98BF579B-F2EC-4387-87A6-0FA86016D9C4}" type="datetimeFigureOut">
               <a:rPr lang="en-US" smtClean="0"/>
-              <a:t>1/8/2022</a:t>
+              <a:t>1/9/2022</a:t>
             </a:fld>
             <a:endParaRPr lang="en-US"/>
           </a:p>
@@ -1611,7 +1611,7 @@
           <a:p>
             <a:fld id="{98BF579B-F2EC-4387-87A6-0FA86016D9C4}" type="datetimeFigureOut">
               <a:rPr lang="en-US" smtClean="0"/>
-              <a:t>1/8/2022</a:t>
+              <a:t>1/9/2022</a:t>
             </a:fld>
             <a:endParaRPr lang="en-US"/>
           </a:p>
@@ -1729,7 +1729,7 @@
           <a:p>
             <a:fld id="{98BF579B-F2EC-4387-87A6-0FA86016D9C4}" type="datetimeFigureOut">
               <a:rPr lang="en-US" smtClean="0"/>
-              <a:t>1/8/2022</a:t>
+              <a:t>1/9/2022</a:t>
             </a:fld>
             <a:endParaRPr lang="en-US"/>
           </a:p>
@@ -1824,7 +1824,7 @@
           <a:p>
             <a:fld id="{98BF579B-F2EC-4387-87A6-0FA86016D9C4}" type="datetimeFigureOut">
               <a:rPr lang="en-US" smtClean="0"/>
-              <a:t>1/8/2022</a:t>
+              <a:t>1/9/2022</a:t>
             </a:fld>
             <a:endParaRPr lang="en-US"/>
           </a:p>
@@ -2101,7 +2101,7 @@
           <a:p>
             <a:fld id="{98BF579B-F2EC-4387-87A6-0FA86016D9C4}" type="datetimeFigureOut">
               <a:rPr lang="en-US" smtClean="0"/>
-              <a:t>1/8/2022</a:t>
+              <a:t>1/9/2022</a:t>
             </a:fld>
             <a:endParaRPr lang="en-US"/>
           </a:p>
@@ -2354,7 +2354,7 @@
           <a:p>
             <a:fld id="{98BF579B-F2EC-4387-87A6-0FA86016D9C4}" type="datetimeFigureOut">
               <a:rPr lang="en-US" smtClean="0"/>
-              <a:t>1/8/2022</a:t>
+              <a:t>1/9/2022</a:t>
             </a:fld>
             <a:endParaRPr lang="en-US"/>
           </a:p>
@@ -2567,7 +2567,7 @@
           <a:p>
             <a:fld id="{98BF579B-F2EC-4387-87A6-0FA86016D9C4}" type="datetimeFigureOut">
               <a:rPr lang="en-US" smtClean="0"/>
-              <a:t>1/8/2022</a:t>
+              <a:t>1/9/2022</a:t>
             </a:fld>
             <a:endParaRPr lang="en-US"/>
           </a:p>
@@ -3476,8 +3476,8 @@
         </p:nvSpPr>
         <p:spPr>
           <a:xfrm>
-            <a:off x="6823587" y="2466313"/>
-            <a:ext cx="2772697" cy="646331"/>
+            <a:off x="6823586" y="2466313"/>
+            <a:ext cx="4208207" cy="646331"/>
           </a:xfrm>
           <a:prstGeom prst="rect">
             <a:avLst/>
@@ -3542,46 +3542,53 @@
               <a:t> </a:t>
             </a:r>
             <a:r>
-              <a:rPr lang="en-US" dirty="0" err="1" smtClean="0">
-                <a:latin typeface="Times New Roman" panose="02020603050405020304" pitchFamily="18" charset="0"/>
-                <a:cs typeface="Times New Roman" panose="02020603050405020304" pitchFamily="18" charset="0"/>
-              </a:rPr>
-              <a:t>triển</a:t>
-            </a:r>
-            <a:r>
-              <a:rPr lang="en-US" dirty="0" smtClean="0">
-                <a:latin typeface="Times New Roman" panose="02020603050405020304" pitchFamily="18" charset="0"/>
-                <a:cs typeface="Times New Roman" panose="02020603050405020304" pitchFamily="18" charset="0"/>
-              </a:rPr>
-              <a:t> </a:t>
-            </a:r>
-            <a:r>
-              <a:rPr lang="en-US" dirty="0" err="1" smtClean="0">
-                <a:latin typeface="Times New Roman" panose="02020603050405020304" pitchFamily="18" charset="0"/>
-                <a:cs typeface="Times New Roman" panose="02020603050405020304" pitchFamily="18" charset="0"/>
-              </a:rPr>
-              <a:t>khai</a:t>
-            </a:r>
-            <a:r>
-              <a:rPr lang="en-US" dirty="0" smtClean="0">
-                <a:latin typeface="Times New Roman" panose="02020603050405020304" pitchFamily="18" charset="0"/>
-                <a:cs typeface="Times New Roman" panose="02020603050405020304" pitchFamily="18" charset="0"/>
-              </a:rPr>
-              <a:t> </a:t>
-            </a:r>
-            <a:r>
-              <a:rPr lang="en-US" dirty="0" err="1" smtClean="0">
-                <a:latin typeface="Times New Roman" panose="02020603050405020304" pitchFamily="18" charset="0"/>
-                <a:cs typeface="Times New Roman" panose="02020603050405020304" pitchFamily="18" charset="0"/>
-              </a:rPr>
-              <a:t>và</a:t>
-            </a:r>
-            <a:r>
-              <a:rPr lang="en-US" dirty="0" smtClean="0">
-                <a:latin typeface="Times New Roman" panose="02020603050405020304" pitchFamily="18" charset="0"/>
-                <a:cs typeface="Times New Roman" panose="02020603050405020304" pitchFamily="18" charset="0"/>
-              </a:rPr>
-              <a:t> test</a:t>
+              <a:rPr lang="en-US" dirty="0" smtClean="0">
+                <a:latin typeface="Times New Roman" panose="02020603050405020304" pitchFamily="18" charset="0"/>
+                <a:cs typeface="Times New Roman" panose="02020603050405020304" pitchFamily="18" charset="0"/>
+              </a:rPr>
+              <a:t>code, deploy, test </a:t>
+            </a:r>
+            <a:r>
+              <a:rPr lang="en-US" dirty="0" smtClean="0">
+                <a:latin typeface="Times New Roman" panose="02020603050405020304" pitchFamily="18" charset="0"/>
+                <a:cs typeface="Times New Roman" panose="02020603050405020304" pitchFamily="18" charset="0"/>
+              </a:rPr>
+              <a:t>ở </a:t>
+            </a:r>
+            <a:r>
+              <a:rPr lang="en-US" dirty="0" err="1" smtClean="0">
+                <a:latin typeface="Times New Roman" panose="02020603050405020304" pitchFamily="18" charset="0"/>
+                <a:cs typeface="Times New Roman" panose="02020603050405020304" pitchFamily="18" charset="0"/>
+              </a:rPr>
+              <a:t>giai</a:t>
+            </a:r>
+            <a:r>
+              <a:rPr lang="en-US" dirty="0" smtClean="0">
+                <a:latin typeface="Times New Roman" panose="02020603050405020304" pitchFamily="18" charset="0"/>
+                <a:cs typeface="Times New Roman" panose="02020603050405020304" pitchFamily="18" charset="0"/>
+              </a:rPr>
+              <a:t> </a:t>
+            </a:r>
+            <a:r>
+              <a:rPr lang="en-US" dirty="0" err="1" smtClean="0">
+                <a:latin typeface="Times New Roman" panose="02020603050405020304" pitchFamily="18" charset="0"/>
+                <a:cs typeface="Times New Roman" panose="02020603050405020304" pitchFamily="18" charset="0"/>
+              </a:rPr>
+              <a:t>đoạn</a:t>
+            </a:r>
+            <a:r>
+              <a:rPr lang="en-US" dirty="0" smtClean="0">
+                <a:latin typeface="Times New Roman" panose="02020603050405020304" pitchFamily="18" charset="0"/>
+                <a:cs typeface="Times New Roman" panose="02020603050405020304" pitchFamily="18" charset="0"/>
+              </a:rPr>
+              <a:t> ban </a:t>
+            </a:r>
+            <a:r>
+              <a:rPr lang="en-US" dirty="0" err="1" smtClean="0">
+                <a:latin typeface="Times New Roman" panose="02020603050405020304" pitchFamily="18" charset="0"/>
+                <a:cs typeface="Times New Roman" panose="02020603050405020304" pitchFamily="18" charset="0"/>
+              </a:rPr>
+              <a:t>đầu</a:t>
             </a:r>
             <a:endParaRPr lang="en-US" dirty="0">
               <a:latin typeface="Times New Roman" panose="02020603050405020304" pitchFamily="18" charset="0"/>
@@ -4385,15 +4392,20 @@
             <p:ph type="title"/>
           </p:nvPr>
         </p:nvSpPr>
-        <p:spPr/>
+        <p:spPr>
+          <a:xfrm>
+            <a:off x="471949" y="615730"/>
+            <a:ext cx="10515600" cy="624755"/>
+          </a:xfrm>
+        </p:spPr>
         <p:txBody>
           <a:bodyPr>
-            <a:normAutofit/>
+            <a:noAutofit/>
           </a:bodyPr>
           <a:lstStyle/>
           <a:p>
             <a:r>
-              <a:rPr lang="en-US" sz="4000" dirty="0" err="1" smtClean="0">
+              <a:rPr lang="en-US" dirty="0" err="1" smtClean="0">
                 <a:solidFill>
                   <a:srgbClr val="00B050"/>
                 </a:solidFill>
@@ -4403,7 +4415,7 @@
               <a:t>Microservices</a:t>
             </a:r>
             <a:r>
-              <a:rPr lang="en-US" sz="4000" dirty="0" smtClean="0">
+              <a:rPr lang="en-US" dirty="0" smtClean="0">
                 <a:solidFill>
                   <a:srgbClr val="00B050"/>
                 </a:solidFill>
@@ -4412,7 +4424,7 @@
               </a:rPr>
               <a:t> App</a:t>
             </a:r>
-            <a:endParaRPr lang="en-US" sz="4000" dirty="0">
+            <a:endParaRPr lang="en-US" dirty="0">
               <a:solidFill>
                 <a:srgbClr val="00B050"/>
               </a:solidFill>
@@ -4464,8 +4476,8 @@
         </p:blipFill>
         <p:spPr bwMode="auto">
           <a:xfrm>
-            <a:off x="612058" y="1690688"/>
-            <a:ext cx="4876428" cy="4978146"/>
+            <a:off x="6204156" y="602772"/>
+            <a:ext cx="4530810" cy="4625319"/>
           </a:xfrm>
           <a:prstGeom prst="rect">
             <a:avLst/>
@@ -4490,7 +4502,7 @@
         </p:nvSpPr>
         <p:spPr>
           <a:xfrm>
-            <a:off x="6459794" y="1825625"/>
+            <a:off x="471949" y="5125381"/>
             <a:ext cx="5624051" cy="1754326"/>
           </a:xfrm>
           <a:prstGeom prst="rect">
@@ -4953,7 +4965,7 @@
         </p:nvSpPr>
         <p:spPr>
           <a:xfrm>
-            <a:off x="6459794" y="4001294"/>
+            <a:off x="6204156" y="5103674"/>
             <a:ext cx="5624051" cy="1754326"/>
           </a:xfrm>
           <a:prstGeom prst="rect">
@@ -5482,15 +5494,45 @@
           </a:p>
         </p:txBody>
       </p:sp>
-      <p:sp>
-        <p:nvSpPr>
-          <p:cNvPr id="4" name="TextBox 3"/>
+      <p:pic>
+        <p:nvPicPr>
+          <p:cNvPr id="9" name="Content Placeholder 3"/>
+          <p:cNvPicPr>
+            <a:picLocks noChangeAspect="1"/>
+          </p:cNvPicPr>
+          <p:nvPr/>
+        </p:nvPicPr>
+        <p:blipFill>
+          <a:blip r:embed="rId3" cstate="print">
+            <a:extLst>
+              <a:ext uri="{28A0092B-C50C-407E-A947-70E740481C1C}">
+                <a14:useLocalDpi xmlns:a14="http://schemas.microsoft.com/office/drawing/2010/main" val="0"/>
+              </a:ext>
+            </a:extLst>
+          </a:blip>
+          <a:stretch>
+            <a:fillRect/>
+          </a:stretch>
+        </p:blipFill>
+        <p:spPr>
+          <a:xfrm>
+            <a:off x="326923" y="1825625"/>
+            <a:ext cx="4017000" cy="2855836"/>
+          </a:xfrm>
+          <a:prstGeom prst="rect">
+            <a:avLst/>
+          </a:prstGeom>
+        </p:spPr>
+      </p:pic>
+      <p:sp>
+        <p:nvSpPr>
+          <p:cNvPr id="10" name="TextBox 9"/>
           <p:cNvSpPr txBox="1"/>
           <p:nvPr/>
         </p:nvSpPr>
         <p:spPr>
           <a:xfrm>
-            <a:off x="6459794" y="6127234"/>
+            <a:off x="3419867" y="4626438"/>
             <a:ext cx="3683765" cy="369332"/>
           </a:xfrm>
           <a:prstGeom prst="rect">
@@ -5673,7 +5715,7 @@
                                           </p:stCondLst>
                                         </p:cTn>
                                         <p:tgtEl>
-                                          <p:spTgt spid="4"/>
+                                          <p:spTgt spid="10"/>
                                         </p:tgtEl>
                                         <p:attrNameLst>
                                           <p:attrName>style.visibility</p:attrName>
@@ -5687,7 +5729,7 @@
                                       <p:cBhvr>
                                         <p:cTn id="15" dur="1000" fill="hold"/>
                                         <p:tgtEl>
-                                          <p:spTgt spid="4"/>
+                                          <p:spTgt spid="10"/>
                                         </p:tgtEl>
                                         <p:attrNameLst>
                                           <p:attrName>ppt_w</p:attrName>
@@ -5710,7 +5752,7 @@
                                       <p:cBhvr>
                                         <p:cTn id="16" dur="1000" fill="hold"/>
                                         <p:tgtEl>
-                                          <p:spTgt spid="4"/>
+                                          <p:spTgt spid="10"/>
                                         </p:tgtEl>
                                         <p:attrNameLst>
                                           <p:attrName>ppt_h</p:attrName>
@@ -5733,7 +5775,7 @@
                                       <p:cBhvr>
                                         <p:cTn id="17" dur="1000" fill="hold"/>
                                         <p:tgtEl>
-                                          <p:spTgt spid="4"/>
+                                          <p:spTgt spid="10"/>
                                         </p:tgtEl>
                                         <p:attrNameLst>
                                           <p:attrName>style.rotation</p:attrName>
@@ -5756,7 +5798,7 @@
                                       <p:cBhvr>
                                         <p:cTn id="18" dur="1000"/>
                                         <p:tgtEl>
-                                          <p:spTgt spid="4"/>
+                                          <p:spTgt spid="10"/>
                                         </p:tgtEl>
                                       </p:cBhvr>
                                     </p:animEffect>
@@ -5793,7 +5835,7 @@
     <p:bldLst>
       <p:bldP spid="5" grpId="0"/>
       <p:bldP spid="7" grpId="0"/>
-      <p:bldP spid="4" grpId="0" animBg="1"/>
+      <p:bldP spid="10" grpId="0" animBg="1"/>
     </p:bldLst>
   </p:timing>
 </p:sld>
